--- a/Screenshots.pptx
+++ b/Screenshots.pptx
@@ -139,384 +139,6 @@
 </p1510:revInfo>
 </file>
 
-<file path=ppt/changesInfos/changesInfo1.xml><?xml version="1.0" encoding="utf-8"?>
-<pc:chgInfo xmlns:a="http://schemas.openxmlformats.org/drawingml/2006/main" xmlns:r="http://schemas.openxmlformats.org/officeDocument/2006/relationships" xmlns:ac="http://schemas.microsoft.com/office/drawing/2013/main/command" xmlns:pc="http://schemas.microsoft.com/office/powerpoint/2013/main/command">
-  <pc:docChgLst>
-    <pc:chgData name="Valladarez, Matt" userId="127bf18a-db1c-46c8-af66-b0667b35a930" providerId="ADAL" clId="{9037A0BD-11FA-43AA-9CE1-2D293FB17138}"/>
-    <pc:docChg chg="undo custSel addSld modSld sldOrd">
-      <pc:chgData name="Valladarez, Matt" userId="127bf18a-db1c-46c8-af66-b0667b35a930" providerId="ADAL" clId="{9037A0BD-11FA-43AA-9CE1-2D293FB17138}" dt="2024-12-06T22:36:32.522" v="291" actId="1076"/>
-      <pc:docMkLst>
-        <pc:docMk/>
-      </pc:docMkLst>
-      <pc:sldChg chg="addSp modSp mod">
-        <pc:chgData name="Valladarez, Matt" userId="127bf18a-db1c-46c8-af66-b0667b35a930" providerId="ADAL" clId="{9037A0BD-11FA-43AA-9CE1-2D293FB17138}" dt="2024-12-06T16:26:10.055" v="118" actId="20577"/>
-        <pc:sldMkLst>
-          <pc:docMk/>
-          <pc:sldMk cId="2747268143" sldId="260"/>
-        </pc:sldMkLst>
-        <pc:spChg chg="add mod">
-          <ac:chgData name="Valladarez, Matt" userId="127bf18a-db1c-46c8-af66-b0667b35a930" providerId="ADAL" clId="{9037A0BD-11FA-43AA-9CE1-2D293FB17138}" dt="2024-12-06T16:26:10.055" v="118" actId="20577"/>
-          <ac:spMkLst>
-            <pc:docMk/>
-            <pc:sldMk cId="2747268143" sldId="260"/>
-            <ac:spMk id="6" creationId="{B4290B9E-7E8A-ACEB-798E-9117AF273373}"/>
-          </ac:spMkLst>
-        </pc:spChg>
-        <pc:picChg chg="add mod">
-          <ac:chgData name="Valladarez, Matt" userId="127bf18a-db1c-46c8-af66-b0667b35a930" providerId="ADAL" clId="{9037A0BD-11FA-43AA-9CE1-2D293FB17138}" dt="2024-12-06T16:25:42.607" v="72" actId="1076"/>
-          <ac:picMkLst>
-            <pc:docMk/>
-            <pc:sldMk cId="2747268143" sldId="260"/>
-            <ac:picMk id="4" creationId="{4E757452-B712-BDEB-5DEA-F15F065F487F}"/>
-          </ac:picMkLst>
-        </pc:picChg>
-        <pc:picChg chg="mod">
-          <ac:chgData name="Valladarez, Matt" userId="127bf18a-db1c-46c8-af66-b0667b35a930" providerId="ADAL" clId="{9037A0BD-11FA-43AA-9CE1-2D293FB17138}" dt="2024-12-06T16:24:37.123" v="59" actId="1076"/>
-          <ac:picMkLst>
-            <pc:docMk/>
-            <pc:sldMk cId="2747268143" sldId="260"/>
-            <ac:picMk id="5" creationId="{1B004947-0C15-E97F-0911-2760337F6A15}"/>
-          </ac:picMkLst>
-        </pc:picChg>
-      </pc:sldChg>
-      <pc:sldChg chg="addSp delSp modSp new mod">
-        <pc:chgData name="Valladarez, Matt" userId="127bf18a-db1c-46c8-af66-b0667b35a930" providerId="ADAL" clId="{9037A0BD-11FA-43AA-9CE1-2D293FB17138}" dt="2024-12-06T15:20:30.730" v="9" actId="1076"/>
-        <pc:sldMkLst>
-          <pc:docMk/>
-          <pc:sldMk cId="2693712643" sldId="265"/>
-        </pc:sldMkLst>
-        <pc:spChg chg="del">
-          <ac:chgData name="Valladarez, Matt" userId="127bf18a-db1c-46c8-af66-b0667b35a930" providerId="ADAL" clId="{9037A0BD-11FA-43AA-9CE1-2D293FB17138}" dt="2024-12-06T15:19:55.864" v="2" actId="478"/>
-          <ac:spMkLst>
-            <pc:docMk/>
-            <pc:sldMk cId="2693712643" sldId="265"/>
-            <ac:spMk id="2" creationId="{F10CBCEF-C911-A3BC-369E-567FDC3E0B4B}"/>
-          </ac:spMkLst>
-        </pc:spChg>
-        <pc:spChg chg="del">
-          <ac:chgData name="Valladarez, Matt" userId="127bf18a-db1c-46c8-af66-b0667b35a930" providerId="ADAL" clId="{9037A0BD-11FA-43AA-9CE1-2D293FB17138}" dt="2024-12-06T15:19:54.003" v="1" actId="478"/>
-          <ac:spMkLst>
-            <pc:docMk/>
-            <pc:sldMk cId="2693712643" sldId="265"/>
-            <ac:spMk id="3" creationId="{15459214-9228-2519-BF85-307A4BDBA9EF}"/>
-          </ac:spMkLst>
-        </pc:spChg>
-        <pc:picChg chg="add mod">
-          <ac:chgData name="Valladarez, Matt" userId="127bf18a-db1c-46c8-af66-b0667b35a930" providerId="ADAL" clId="{9037A0BD-11FA-43AA-9CE1-2D293FB17138}" dt="2024-12-06T15:20:30.730" v="9" actId="1076"/>
-          <ac:picMkLst>
-            <pc:docMk/>
-            <pc:sldMk cId="2693712643" sldId="265"/>
-            <ac:picMk id="5" creationId="{6C6691D8-F4A2-1880-863F-45CD183CF193}"/>
-          </ac:picMkLst>
-        </pc:picChg>
-      </pc:sldChg>
-      <pc:sldChg chg="addSp delSp modSp new mod">
-        <pc:chgData name="Valladarez, Matt" userId="127bf18a-db1c-46c8-af66-b0667b35a930" providerId="ADAL" clId="{9037A0BD-11FA-43AA-9CE1-2D293FB17138}" dt="2024-12-06T16:23:51.514" v="57" actId="1076"/>
-        <pc:sldMkLst>
-          <pc:docMk/>
-          <pc:sldMk cId="560955345" sldId="266"/>
-        </pc:sldMkLst>
-        <pc:spChg chg="del">
-          <ac:chgData name="Valladarez, Matt" userId="127bf18a-db1c-46c8-af66-b0667b35a930" providerId="ADAL" clId="{9037A0BD-11FA-43AA-9CE1-2D293FB17138}" dt="2024-12-06T16:23:45.137" v="54" actId="478"/>
-          <ac:spMkLst>
-            <pc:docMk/>
-            <pc:sldMk cId="560955345" sldId="266"/>
-            <ac:spMk id="2" creationId="{84EE172A-116B-88A4-D8F7-6ECC39396AFC}"/>
-          </ac:spMkLst>
-        </pc:spChg>
-        <pc:spChg chg="del">
-          <ac:chgData name="Valladarez, Matt" userId="127bf18a-db1c-46c8-af66-b0667b35a930" providerId="ADAL" clId="{9037A0BD-11FA-43AA-9CE1-2D293FB17138}" dt="2024-12-06T16:23:44.139" v="53" actId="478"/>
-          <ac:spMkLst>
-            <pc:docMk/>
-            <pc:sldMk cId="560955345" sldId="266"/>
-            <ac:spMk id="3" creationId="{9A86B58F-978B-80A2-B9F0-C6F36F1F4FFB}"/>
-          </ac:spMkLst>
-        </pc:spChg>
-        <pc:picChg chg="add mod">
-          <ac:chgData name="Valladarez, Matt" userId="127bf18a-db1c-46c8-af66-b0667b35a930" providerId="ADAL" clId="{9037A0BD-11FA-43AA-9CE1-2D293FB17138}" dt="2024-12-06T16:23:51.514" v="57" actId="1076"/>
-          <ac:picMkLst>
-            <pc:docMk/>
-            <pc:sldMk cId="560955345" sldId="266"/>
-            <ac:picMk id="5" creationId="{3ADF57A7-AB49-743B-7D76-B2A379023EAA}"/>
-          </ac:picMkLst>
-        </pc:picChg>
-      </pc:sldChg>
-      <pc:sldChg chg="modSp add mod ord">
-        <pc:chgData name="Valladarez, Matt" userId="127bf18a-db1c-46c8-af66-b0667b35a930" providerId="ADAL" clId="{9037A0BD-11FA-43AA-9CE1-2D293FB17138}" dt="2024-12-06T15:21:51.837" v="52" actId="20577"/>
-        <pc:sldMkLst>
-          <pc:docMk/>
-          <pc:sldMk cId="744047669" sldId="267"/>
-        </pc:sldMkLst>
-        <pc:spChg chg="mod">
-          <ac:chgData name="Valladarez, Matt" userId="127bf18a-db1c-46c8-af66-b0667b35a930" providerId="ADAL" clId="{9037A0BD-11FA-43AA-9CE1-2D293FB17138}" dt="2024-12-06T15:21:51.837" v="52" actId="20577"/>
-          <ac:spMkLst>
-            <pc:docMk/>
-            <pc:sldMk cId="744047669" sldId="267"/>
-            <ac:spMk id="2" creationId="{4461CC33-3054-F980-999D-62849B14F8CA}"/>
-          </ac:spMkLst>
-        </pc:spChg>
-      </pc:sldChg>
-      <pc:sldChg chg="modSp add mod ord">
-        <pc:chgData name="Valladarez, Matt" userId="127bf18a-db1c-46c8-af66-b0667b35a930" providerId="ADAL" clId="{9037A0BD-11FA-43AA-9CE1-2D293FB17138}" dt="2024-12-06T16:26:46.752" v="142" actId="20577"/>
-        <pc:sldMkLst>
-          <pc:docMk/>
-          <pc:sldMk cId="3529790745" sldId="268"/>
-        </pc:sldMkLst>
-        <pc:spChg chg="mod">
-          <ac:chgData name="Valladarez, Matt" userId="127bf18a-db1c-46c8-af66-b0667b35a930" providerId="ADAL" clId="{9037A0BD-11FA-43AA-9CE1-2D293FB17138}" dt="2024-12-06T16:26:46.752" v="142" actId="20577"/>
-          <ac:spMkLst>
-            <pc:docMk/>
-            <pc:sldMk cId="3529790745" sldId="268"/>
-            <ac:spMk id="2" creationId="{4461CC33-3054-F980-999D-62849B14F8CA}"/>
-          </ac:spMkLst>
-        </pc:spChg>
-      </pc:sldChg>
-      <pc:sldChg chg="addSp delSp modSp new mod">
-        <pc:chgData name="Valladarez, Matt" userId="127bf18a-db1c-46c8-af66-b0667b35a930" providerId="ADAL" clId="{9037A0BD-11FA-43AA-9CE1-2D293FB17138}" dt="2024-12-06T17:04:31.909" v="166" actId="1076"/>
-        <pc:sldMkLst>
-          <pc:docMk/>
-          <pc:sldMk cId="1383170086" sldId="269"/>
-        </pc:sldMkLst>
-        <pc:spChg chg="del">
-          <ac:chgData name="Valladarez, Matt" userId="127bf18a-db1c-46c8-af66-b0667b35a930" providerId="ADAL" clId="{9037A0BD-11FA-43AA-9CE1-2D293FB17138}" dt="2024-12-06T16:50:38.601" v="145" actId="478"/>
-          <ac:spMkLst>
-            <pc:docMk/>
-            <pc:sldMk cId="1383170086" sldId="269"/>
-            <ac:spMk id="2" creationId="{60A837A7-17D7-492D-F75F-24FC0369ECF1}"/>
-          </ac:spMkLst>
-        </pc:spChg>
-        <pc:spChg chg="del">
-          <ac:chgData name="Valladarez, Matt" userId="127bf18a-db1c-46c8-af66-b0667b35a930" providerId="ADAL" clId="{9037A0BD-11FA-43AA-9CE1-2D293FB17138}" dt="2024-12-06T16:50:37.337" v="144" actId="478"/>
-          <ac:spMkLst>
-            <pc:docMk/>
-            <pc:sldMk cId="1383170086" sldId="269"/>
-            <ac:spMk id="3" creationId="{72706804-C5E2-3373-96C5-F7CEE0D2C2CF}"/>
-          </ac:spMkLst>
-        </pc:spChg>
-        <pc:spChg chg="add del">
-          <ac:chgData name="Valladarez, Matt" userId="127bf18a-db1c-46c8-af66-b0667b35a930" providerId="ADAL" clId="{9037A0BD-11FA-43AA-9CE1-2D293FB17138}" dt="2024-12-06T16:50:42.539" v="147" actId="22"/>
-          <ac:spMkLst>
-            <pc:docMk/>
-            <pc:sldMk cId="1383170086" sldId="269"/>
-            <ac:spMk id="5" creationId="{E90B17D7-0560-80E6-FFE9-6FD5A5A0D052}"/>
-          </ac:spMkLst>
-        </pc:spChg>
-        <pc:picChg chg="add del mod">
-          <ac:chgData name="Valladarez, Matt" userId="127bf18a-db1c-46c8-af66-b0667b35a930" providerId="ADAL" clId="{9037A0BD-11FA-43AA-9CE1-2D293FB17138}" dt="2024-12-06T17:04:14.891" v="163" actId="478"/>
-          <ac:picMkLst>
-            <pc:docMk/>
-            <pc:sldMk cId="1383170086" sldId="269"/>
-            <ac:picMk id="7" creationId="{E72F8EAF-A238-ED57-8655-ABB3611DA14F}"/>
-          </ac:picMkLst>
-        </pc:picChg>
-        <pc:picChg chg="add mod">
-          <ac:chgData name="Valladarez, Matt" userId="127bf18a-db1c-46c8-af66-b0667b35a930" providerId="ADAL" clId="{9037A0BD-11FA-43AA-9CE1-2D293FB17138}" dt="2024-12-06T17:04:31.909" v="166" actId="1076"/>
-          <ac:picMkLst>
-            <pc:docMk/>
-            <pc:sldMk cId="1383170086" sldId="269"/>
-            <ac:picMk id="9" creationId="{33196AD3-08E4-92AE-5829-E540C0C3C92E}"/>
-          </ac:picMkLst>
-        </pc:picChg>
-      </pc:sldChg>
-      <pc:sldChg chg="addSp delSp modSp new mod">
-        <pc:chgData name="Valladarez, Matt" userId="127bf18a-db1c-46c8-af66-b0667b35a930" providerId="ADAL" clId="{9037A0BD-11FA-43AA-9CE1-2D293FB17138}" dt="2024-12-06T20:49:42.417" v="226" actId="1076"/>
-        <pc:sldMkLst>
-          <pc:docMk/>
-          <pc:sldMk cId="563061378" sldId="270"/>
-        </pc:sldMkLst>
-        <pc:spChg chg="del">
-          <ac:chgData name="Valladarez, Matt" userId="127bf18a-db1c-46c8-af66-b0667b35a930" providerId="ADAL" clId="{9037A0BD-11FA-43AA-9CE1-2D293FB17138}" dt="2024-12-06T16:52:40.877" v="162" actId="478"/>
-          <ac:spMkLst>
-            <pc:docMk/>
-            <pc:sldMk cId="563061378" sldId="270"/>
-            <ac:spMk id="2" creationId="{74BD7F83-5007-5750-97ED-876C4EE52ADC}"/>
-          </ac:spMkLst>
-        </pc:spChg>
-        <pc:spChg chg="del">
-          <ac:chgData name="Valladarez, Matt" userId="127bf18a-db1c-46c8-af66-b0667b35a930" providerId="ADAL" clId="{9037A0BD-11FA-43AA-9CE1-2D293FB17138}" dt="2024-12-06T16:52:39.437" v="161" actId="478"/>
-          <ac:spMkLst>
-            <pc:docMk/>
-            <pc:sldMk cId="563061378" sldId="270"/>
-            <ac:spMk id="3" creationId="{E97EE007-1F4B-59A8-8F29-7CA65B8B9EE1}"/>
-          </ac:spMkLst>
-        </pc:spChg>
-        <pc:spChg chg="add mod">
-          <ac:chgData name="Valladarez, Matt" userId="127bf18a-db1c-46c8-af66-b0667b35a930" providerId="ADAL" clId="{9037A0BD-11FA-43AA-9CE1-2D293FB17138}" dt="2024-12-06T20:49:42.417" v="226" actId="1076"/>
-          <ac:spMkLst>
-            <pc:docMk/>
-            <pc:sldMk cId="563061378" sldId="270"/>
-            <ac:spMk id="8" creationId="{FE0F0C8F-0414-BC6E-A706-51BB9F952939}"/>
-          </ac:spMkLst>
-        </pc:spChg>
-        <pc:picChg chg="add mod">
-          <ac:chgData name="Valladarez, Matt" userId="127bf18a-db1c-46c8-af66-b0667b35a930" providerId="ADAL" clId="{9037A0BD-11FA-43AA-9CE1-2D293FB17138}" dt="2024-12-06T20:48:56.808" v="183" actId="1076"/>
-          <ac:picMkLst>
-            <pc:docMk/>
-            <pc:sldMk cId="563061378" sldId="270"/>
-            <ac:picMk id="5" creationId="{AF360756-754B-A28C-6537-23773DEF5464}"/>
-          </ac:picMkLst>
-        </pc:picChg>
-        <pc:picChg chg="add mod modCrop">
-          <ac:chgData name="Valladarez, Matt" userId="127bf18a-db1c-46c8-af66-b0667b35a930" providerId="ADAL" clId="{9037A0BD-11FA-43AA-9CE1-2D293FB17138}" dt="2024-12-06T20:49:12.983" v="185" actId="1076"/>
-          <ac:picMkLst>
-            <pc:docMk/>
-            <pc:sldMk cId="563061378" sldId="270"/>
-            <ac:picMk id="7" creationId="{45FCE748-55BA-A685-328C-BAFBE65A4CD9}"/>
-          </ac:picMkLst>
-        </pc:picChg>
-      </pc:sldChg>
-      <pc:sldChg chg="addSp delSp modSp add mod ord">
-        <pc:chgData name="Valladarez, Matt" userId="127bf18a-db1c-46c8-af66-b0667b35a930" providerId="ADAL" clId="{9037A0BD-11FA-43AA-9CE1-2D293FB17138}" dt="2024-12-06T20:55:25.044" v="254" actId="20577"/>
-        <pc:sldMkLst>
-          <pc:docMk/>
-          <pc:sldMk cId="1211718365" sldId="271"/>
-        </pc:sldMkLst>
-        <pc:spChg chg="del mod">
-          <ac:chgData name="Valladarez, Matt" userId="127bf18a-db1c-46c8-af66-b0667b35a930" providerId="ADAL" clId="{9037A0BD-11FA-43AA-9CE1-2D293FB17138}" dt="2024-12-06T20:55:15.070" v="242" actId="478"/>
-          <ac:spMkLst>
-            <pc:docMk/>
-            <pc:sldMk cId="1211718365" sldId="271"/>
-            <ac:spMk id="2" creationId="{4461CC33-3054-F980-999D-62849B14F8CA}"/>
-          </ac:spMkLst>
-        </pc:spChg>
-        <pc:spChg chg="add mod">
-          <ac:chgData name="Valladarez, Matt" userId="127bf18a-db1c-46c8-af66-b0667b35a930" providerId="ADAL" clId="{9037A0BD-11FA-43AA-9CE1-2D293FB17138}" dt="2024-12-06T20:55:25.044" v="254" actId="20577"/>
-          <ac:spMkLst>
-            <pc:docMk/>
-            <pc:sldMk cId="1211718365" sldId="271"/>
-            <ac:spMk id="4" creationId="{E6B0E698-A741-E99E-A3AD-E3B7A9EB2FDF}"/>
-          </ac:spMkLst>
-        </pc:spChg>
-      </pc:sldChg>
-      <pc:sldChg chg="addSp delSp modSp new mod">
-        <pc:chgData name="Valladarez, Matt" userId="127bf18a-db1c-46c8-af66-b0667b35a930" providerId="ADAL" clId="{9037A0BD-11FA-43AA-9CE1-2D293FB17138}" dt="2024-12-06T22:15:01.542" v="288" actId="1076"/>
-        <pc:sldMkLst>
-          <pc:docMk/>
-          <pc:sldMk cId="2209436075" sldId="272"/>
-        </pc:sldMkLst>
-        <pc:spChg chg="del">
-          <ac:chgData name="Valladarez, Matt" userId="127bf18a-db1c-46c8-af66-b0667b35a930" providerId="ADAL" clId="{9037A0BD-11FA-43AA-9CE1-2D293FB17138}" dt="2024-12-06T20:54:19.362" v="229" actId="478"/>
-          <ac:spMkLst>
-            <pc:docMk/>
-            <pc:sldMk cId="2209436075" sldId="272"/>
-            <ac:spMk id="2" creationId="{3660BA3B-9E57-15AF-8F2E-AA9A8271CE91}"/>
-          </ac:spMkLst>
-        </pc:spChg>
-        <pc:spChg chg="del">
-          <ac:chgData name="Valladarez, Matt" userId="127bf18a-db1c-46c8-af66-b0667b35a930" providerId="ADAL" clId="{9037A0BD-11FA-43AA-9CE1-2D293FB17138}" dt="2024-12-06T20:54:21.290" v="230" actId="478"/>
-          <ac:spMkLst>
-            <pc:docMk/>
-            <pc:sldMk cId="2209436075" sldId="272"/>
-            <ac:spMk id="3" creationId="{FAD6EDCE-F207-6ABC-95E4-42E30E5EAC9C}"/>
-          </ac:spMkLst>
-        </pc:spChg>
-        <pc:spChg chg="add mod">
-          <ac:chgData name="Valladarez, Matt" userId="127bf18a-db1c-46c8-af66-b0667b35a930" providerId="ADAL" clId="{9037A0BD-11FA-43AA-9CE1-2D293FB17138}" dt="2024-12-06T20:55:51.783" v="260" actId="20577"/>
-          <ac:spMkLst>
-            <pc:docMk/>
-            <pc:sldMk cId="2209436075" sldId="272"/>
-            <ac:spMk id="7" creationId="{38F571A8-5422-0AD1-1086-842CD8927326}"/>
-          </ac:spMkLst>
-        </pc:spChg>
-        <pc:picChg chg="add mod">
-          <ac:chgData name="Valladarez, Matt" userId="127bf18a-db1c-46c8-af66-b0667b35a930" providerId="ADAL" clId="{9037A0BD-11FA-43AA-9CE1-2D293FB17138}" dt="2024-12-06T22:15:01.542" v="288" actId="1076"/>
-          <ac:picMkLst>
-            <pc:docMk/>
-            <pc:sldMk cId="2209436075" sldId="272"/>
-            <ac:picMk id="5" creationId="{4097CB57-D103-96F9-48CF-BB4EC01B9759}"/>
-          </ac:picMkLst>
-        </pc:picChg>
-      </pc:sldChg>
-      <pc:sldChg chg="add">
-        <pc:chgData name="Valladarez, Matt" userId="127bf18a-db1c-46c8-af66-b0667b35a930" providerId="ADAL" clId="{9037A0BD-11FA-43AA-9CE1-2D293FB17138}" dt="2024-12-06T20:54:57.987" v="234" actId="2890"/>
-        <pc:sldMkLst>
-          <pc:docMk/>
-          <pc:sldMk cId="1570818376" sldId="273"/>
-        </pc:sldMkLst>
-      </pc:sldChg>
-      <pc:sldChg chg="addSp delSp modSp new mod">
-        <pc:chgData name="Valladarez, Matt" userId="127bf18a-db1c-46c8-af66-b0667b35a930" providerId="ADAL" clId="{9037A0BD-11FA-43AA-9CE1-2D293FB17138}" dt="2024-12-06T20:59:05.507" v="275" actId="1076"/>
-        <pc:sldMkLst>
-          <pc:docMk/>
-          <pc:sldMk cId="1211690934" sldId="274"/>
-        </pc:sldMkLst>
-        <pc:spChg chg="del">
-          <ac:chgData name="Valladarez, Matt" userId="127bf18a-db1c-46c8-af66-b0667b35a930" providerId="ADAL" clId="{9037A0BD-11FA-43AA-9CE1-2D293FB17138}" dt="2024-12-06T20:56:05.326" v="263" actId="478"/>
-          <ac:spMkLst>
-            <pc:docMk/>
-            <pc:sldMk cId="1211690934" sldId="274"/>
-            <ac:spMk id="2" creationId="{8E62B005-7B7B-1B0A-AC2B-941498B2914E}"/>
-          </ac:spMkLst>
-        </pc:spChg>
-        <pc:spChg chg="del">
-          <ac:chgData name="Valladarez, Matt" userId="127bf18a-db1c-46c8-af66-b0667b35a930" providerId="ADAL" clId="{9037A0BD-11FA-43AA-9CE1-2D293FB17138}" dt="2024-12-06T20:56:04.270" v="262" actId="478"/>
-          <ac:spMkLst>
-            <pc:docMk/>
-            <pc:sldMk cId="1211690934" sldId="274"/>
-            <ac:spMk id="3" creationId="{3C5CEDD1-694E-5CF3-ACA6-F021D853E5CA}"/>
-          </ac:spMkLst>
-        </pc:spChg>
-        <pc:spChg chg="add mod">
-          <ac:chgData name="Valladarez, Matt" userId="127bf18a-db1c-46c8-af66-b0667b35a930" providerId="ADAL" clId="{9037A0BD-11FA-43AA-9CE1-2D293FB17138}" dt="2024-12-06T20:56:26.924" v="271"/>
-          <ac:spMkLst>
-            <pc:docMk/>
-            <pc:sldMk cId="1211690934" sldId="274"/>
-            <ac:spMk id="5" creationId="{ADDB5678-CBA1-3CD4-789D-037A93AD0F07}"/>
-          </ac:spMkLst>
-        </pc:spChg>
-        <pc:picChg chg="add mod">
-          <ac:chgData name="Valladarez, Matt" userId="127bf18a-db1c-46c8-af66-b0667b35a930" providerId="ADAL" clId="{9037A0BD-11FA-43AA-9CE1-2D293FB17138}" dt="2024-12-06T20:59:05.507" v="275" actId="1076"/>
-          <ac:picMkLst>
-            <pc:docMk/>
-            <pc:sldMk cId="1211690934" sldId="274"/>
-            <ac:picMk id="7" creationId="{CE0E3192-6550-26AE-D1E1-D8BF09DF22C2}"/>
-          </ac:picMkLst>
-        </pc:picChg>
-      </pc:sldChg>
-      <pc:sldChg chg="addSp delSp modSp new mod">
-        <pc:chgData name="Valladarez, Matt" userId="127bf18a-db1c-46c8-af66-b0667b35a930" providerId="ADAL" clId="{9037A0BD-11FA-43AA-9CE1-2D293FB17138}" dt="2024-12-06T22:36:32.522" v="291" actId="1076"/>
-        <pc:sldMkLst>
-          <pc:docMk/>
-          <pc:sldMk cId="2936672060" sldId="275"/>
-        </pc:sldMkLst>
-        <pc:spChg chg="del">
-          <ac:chgData name="Valladarez, Matt" userId="127bf18a-db1c-46c8-af66-b0667b35a930" providerId="ADAL" clId="{9037A0BD-11FA-43AA-9CE1-2D293FB17138}" dt="2024-12-06T20:59:13.213" v="277" actId="478"/>
-          <ac:spMkLst>
-            <pc:docMk/>
-            <pc:sldMk cId="2936672060" sldId="275"/>
-            <ac:spMk id="2" creationId="{CCC7FF34-D0AD-35DC-B0D3-E19DA2C50FF1}"/>
-          </ac:spMkLst>
-        </pc:spChg>
-        <pc:spChg chg="del">
-          <ac:chgData name="Valladarez, Matt" userId="127bf18a-db1c-46c8-af66-b0667b35a930" providerId="ADAL" clId="{9037A0BD-11FA-43AA-9CE1-2D293FB17138}" dt="2024-12-06T20:59:14.739" v="278" actId="478"/>
-          <ac:spMkLst>
-            <pc:docMk/>
-            <pc:sldMk cId="2936672060" sldId="275"/>
-            <ac:spMk id="3" creationId="{5C13848F-ABA2-E72E-C2B3-E8CE09D17849}"/>
-          </ac:spMkLst>
-        </pc:spChg>
-        <pc:spChg chg="add mod">
-          <ac:chgData name="Valladarez, Matt" userId="127bf18a-db1c-46c8-af66-b0667b35a930" providerId="ADAL" clId="{9037A0BD-11FA-43AA-9CE1-2D293FB17138}" dt="2024-12-06T21:00:00.919" v="286"/>
-          <ac:spMkLst>
-            <pc:docMk/>
-            <pc:sldMk cId="2936672060" sldId="275"/>
-            <ac:spMk id="4" creationId="{D80F92DC-494E-3648-5D0E-CA5F26505F77}"/>
-          </ac:spMkLst>
-        </pc:spChg>
-        <pc:picChg chg="add mod">
-          <ac:chgData name="Valladarez, Matt" userId="127bf18a-db1c-46c8-af66-b0667b35a930" providerId="ADAL" clId="{9037A0BD-11FA-43AA-9CE1-2D293FB17138}" dt="2024-12-06T22:36:32.522" v="291" actId="1076"/>
-          <ac:picMkLst>
-            <pc:docMk/>
-            <pc:sldMk cId="2936672060" sldId="275"/>
-            <ac:picMk id="6" creationId="{C522D208-9752-D871-E823-B75CC6F71651}"/>
-          </ac:picMkLst>
-        </pc:picChg>
-      </pc:sldChg>
-    </pc:docChg>
-  </pc:docChgLst>
-</pc:chgInfo>
-</file>
-
 <file path=ppt/slideLayouts/slideLayout1.xml><?xml version="1.0" encoding="utf-8"?>
 <p:sldLayout xmlns:a="http://schemas.openxmlformats.org/drawingml/2006/main" xmlns:r="http://schemas.openxmlformats.org/officeDocument/2006/relationships" xmlns:p="http://schemas.openxmlformats.org/presentationml/2006/main" type="title" preserve="1">
   <p:cSld name="Title Slide">
@@ -664,7 +286,7 @@
           <a:p>
             <a:fld id="{7733EB8F-2B71-414B-BDD4-3C266255018B}" type="datetimeFigureOut">
               <a:rPr lang="en-US" smtClean="0"/>
-              <a:t>12/6/2024</a:t>
+              <a:t>12/17/2024</a:t>
             </a:fld>
             <a:endParaRPr lang="en-US"/>
           </a:p>
@@ -862,7 +484,7 @@
           <a:p>
             <a:fld id="{7733EB8F-2B71-414B-BDD4-3C266255018B}" type="datetimeFigureOut">
               <a:rPr lang="en-US" smtClean="0"/>
-              <a:t>12/6/2024</a:t>
+              <a:t>12/17/2024</a:t>
             </a:fld>
             <a:endParaRPr lang="en-US"/>
           </a:p>
@@ -1070,7 +692,7 @@
           <a:p>
             <a:fld id="{7733EB8F-2B71-414B-BDD4-3C266255018B}" type="datetimeFigureOut">
               <a:rPr lang="en-US" smtClean="0"/>
-              <a:t>12/6/2024</a:t>
+              <a:t>12/17/2024</a:t>
             </a:fld>
             <a:endParaRPr lang="en-US"/>
           </a:p>
@@ -1268,7 +890,7 @@
           <a:p>
             <a:fld id="{7733EB8F-2B71-414B-BDD4-3C266255018B}" type="datetimeFigureOut">
               <a:rPr lang="en-US" smtClean="0"/>
-              <a:t>12/6/2024</a:t>
+              <a:t>12/17/2024</a:t>
             </a:fld>
             <a:endParaRPr lang="en-US"/>
           </a:p>
@@ -1543,7 +1165,7 @@
           <a:p>
             <a:fld id="{7733EB8F-2B71-414B-BDD4-3C266255018B}" type="datetimeFigureOut">
               <a:rPr lang="en-US" smtClean="0"/>
-              <a:t>12/6/2024</a:t>
+              <a:t>12/17/2024</a:t>
             </a:fld>
             <a:endParaRPr lang="en-US"/>
           </a:p>
@@ -1808,7 +1430,7 @@
           <a:p>
             <a:fld id="{7733EB8F-2B71-414B-BDD4-3C266255018B}" type="datetimeFigureOut">
               <a:rPr lang="en-US" smtClean="0"/>
-              <a:t>12/6/2024</a:t>
+              <a:t>12/17/2024</a:t>
             </a:fld>
             <a:endParaRPr lang="en-US"/>
           </a:p>
@@ -2220,7 +1842,7 @@
           <a:p>
             <a:fld id="{7733EB8F-2B71-414B-BDD4-3C266255018B}" type="datetimeFigureOut">
               <a:rPr lang="en-US" smtClean="0"/>
-              <a:t>12/6/2024</a:t>
+              <a:t>12/17/2024</a:t>
             </a:fld>
             <a:endParaRPr lang="en-US"/>
           </a:p>
@@ -2361,7 +1983,7 @@
           <a:p>
             <a:fld id="{7733EB8F-2B71-414B-BDD4-3C266255018B}" type="datetimeFigureOut">
               <a:rPr lang="en-US" smtClean="0"/>
-              <a:t>12/6/2024</a:t>
+              <a:t>12/17/2024</a:t>
             </a:fld>
             <a:endParaRPr lang="en-US"/>
           </a:p>
@@ -2474,7 +2096,7 @@
           <a:p>
             <a:fld id="{7733EB8F-2B71-414B-BDD4-3C266255018B}" type="datetimeFigureOut">
               <a:rPr lang="en-US" smtClean="0"/>
-              <a:t>12/6/2024</a:t>
+              <a:t>12/17/2024</a:t>
             </a:fld>
             <a:endParaRPr lang="en-US"/>
           </a:p>
@@ -2785,7 +2407,7 @@
           <a:p>
             <a:fld id="{7733EB8F-2B71-414B-BDD4-3C266255018B}" type="datetimeFigureOut">
               <a:rPr lang="en-US" smtClean="0"/>
-              <a:t>12/6/2024</a:t>
+              <a:t>12/17/2024</a:t>
             </a:fld>
             <a:endParaRPr lang="en-US"/>
           </a:p>
@@ -3073,7 +2695,7 @@
           <a:p>
             <a:fld id="{7733EB8F-2B71-414B-BDD4-3C266255018B}" type="datetimeFigureOut">
               <a:rPr lang="en-US" smtClean="0"/>
-              <a:t>12/6/2024</a:t>
+              <a:t>12/17/2024</a:t>
             </a:fld>
             <a:endParaRPr lang="en-US"/>
           </a:p>
@@ -3314,7 +2936,7 @@
           <a:p>
             <a:fld id="{7733EB8F-2B71-414B-BDD4-3C266255018B}" type="datetimeFigureOut">
               <a:rPr lang="en-US" smtClean="0"/>
-              <a:t>12/6/2024</a:t>
+              <a:t>12/17/2024</a:t>
             </a:fld>
             <a:endParaRPr lang="en-US"/>
           </a:p>
@@ -4216,8 +3838,8 @@
         </p:blipFill>
         <p:spPr>
           <a:xfrm>
-            <a:off x="3761479" y="4916466"/>
-            <a:ext cx="7017168" cy="1484334"/>
+            <a:off x="2050094" y="4520135"/>
+            <a:ext cx="8179826" cy="1730270"/>
           </a:xfrm>
           <a:prstGeom prst="rect">
             <a:avLst/>
@@ -5168,10 +4790,10 @@
       </p:sp>
       <p:pic>
         <p:nvPicPr>
-          <p:cNvPr id="5" name="Picture 4">
-            <a:extLst>
-              <a:ext uri="{FF2B5EF4-FFF2-40B4-BE49-F238E27FC236}">
-                <a16:creationId xmlns:a16="http://schemas.microsoft.com/office/drawing/2014/main" id="{1B004947-0C15-E97F-0911-2760337F6A15}"/>
+          <p:cNvPr id="7" name="Picture 6">
+            <a:extLst>
+              <a:ext uri="{FF2B5EF4-FFF2-40B4-BE49-F238E27FC236}">
+                <a16:creationId xmlns:a16="http://schemas.microsoft.com/office/drawing/2014/main" id="{E644EF33-9409-B6B4-D106-1012D8CB9810}"/>
               </a:ext>
             </a:extLst>
           </p:cNvPr>
@@ -5188,79 +4810,14 @@
         </p:blipFill>
         <p:spPr>
           <a:xfrm>
-            <a:off x="1592400" y="1604288"/>
-            <a:ext cx="8681785" cy="3649423"/>
+            <a:off x="99396" y="2120185"/>
+            <a:ext cx="11993208" cy="1798452"/>
           </a:xfrm>
           <a:prstGeom prst="rect">
             <a:avLst/>
           </a:prstGeom>
         </p:spPr>
       </p:pic>
-      <p:pic>
-        <p:nvPicPr>
-          <p:cNvPr id="4" name="Picture 3">
-            <a:extLst>
-              <a:ext uri="{FF2B5EF4-FFF2-40B4-BE49-F238E27FC236}">
-                <a16:creationId xmlns:a16="http://schemas.microsoft.com/office/drawing/2014/main" id="{4E757452-B712-BDEB-5DEA-F15F065F487F}"/>
-              </a:ext>
-            </a:extLst>
-          </p:cNvPr>
-          <p:cNvPicPr>
-            <a:picLocks noChangeAspect="1"/>
-          </p:cNvPicPr>
-          <p:nvPr/>
-        </p:nvPicPr>
-        <p:blipFill>
-          <a:blip r:embed="rId3"/>
-          <a:stretch>
-            <a:fillRect/>
-          </a:stretch>
-        </p:blipFill>
-        <p:spPr>
-          <a:xfrm>
-            <a:off x="224424" y="5777814"/>
-            <a:ext cx="11743151" cy="362889"/>
-          </a:xfrm>
-          <a:prstGeom prst="rect">
-            <a:avLst/>
-          </a:prstGeom>
-        </p:spPr>
-      </p:pic>
-      <p:sp>
-        <p:nvSpPr>
-          <p:cNvPr id="6" name="TextBox 5">
-            <a:extLst>
-              <a:ext uri="{FF2B5EF4-FFF2-40B4-BE49-F238E27FC236}">
-                <a16:creationId xmlns:a16="http://schemas.microsoft.com/office/drawing/2014/main" id="{B4290B9E-7E8A-ACEB-798E-9117AF273373}"/>
-              </a:ext>
-            </a:extLst>
-          </p:cNvPr>
-          <p:cNvSpPr txBox="1"/>
-          <p:nvPr/>
-        </p:nvSpPr>
-        <p:spPr>
-          <a:xfrm>
-            <a:off x="288099" y="5408482"/>
-            <a:ext cx="3722814" cy="369332"/>
-          </a:xfrm>
-          <a:prstGeom prst="rect">
-            <a:avLst/>
-          </a:prstGeom>
-          <a:noFill/>
-        </p:spPr>
-        <p:txBody>
-          <a:bodyPr wrap="none" rtlCol="0">
-            <a:spAutoFit/>
-          </a:bodyPr>
-          <a:lstStyle/>
-          <a:p>
-            <a:r>
-              <a:rPr lang="en-US" dirty="0"/>
-              <a:t>Added Synapse Linked Service after</a:t>
-            </a:r>
-          </a:p>
-        </p:txBody>
-      </p:sp>
     </p:spTree>
     <p:extLst>
       <p:ext uri="{BB962C8B-B14F-4D97-AF65-F5344CB8AC3E}">
